--- a/2022/June_Batch/5Javascript/2August/03-08-22/3javascript -Built-in-Datastructure.pptx
+++ b/2022/June_Batch/5Javascript/2August/03-08-22/3javascript -Built-in-Datastructure.pptx
@@ -24,13 +24,6 @@
     <p:sldId id="430" r:id="rId18"/>
     <p:sldId id="427" r:id="rId19"/>
     <p:sldId id="428" r:id="rId20"/>
-    <p:sldId id="416" r:id="rId21"/>
-    <p:sldId id="375" r:id="rId22"/>
-    <p:sldId id="404" r:id="rId23"/>
-    <p:sldId id="405" r:id="rId24"/>
-    <p:sldId id="406" r:id="rId25"/>
-    <p:sldId id="376" r:id="rId26"/>
-    <p:sldId id="377" r:id="rId27"/>
   </p:sldIdLst>
   <p:sldSz cx="12192000" cy="6858000"/>
   <p:notesSz cx="6858000" cy="9144000"/>
@@ -280,7 +273,7 @@
             <a:fld id="{7FCC5AE5-E495-4913-B643-A95A6AFABB00}" type="datetimeFigureOut">
               <a:rPr kumimoji="1" lang="ja-JP" altLang="en-US" smtClean="0"/>
               <a:pPr/>
-              <a:t>2022/8/2</a:t>
+              <a:t>2022/8/4</a:t>
             </a:fld>
             <a:endParaRPr kumimoji="1" lang="ja-JP" altLang="en-US"/>
           </a:p>
@@ -452,7 +445,7 @@
             <a:fld id="{7FCC5AE5-E495-4913-B643-A95A6AFABB00}" type="datetimeFigureOut">
               <a:rPr kumimoji="1" lang="ja-JP" altLang="en-US" smtClean="0"/>
               <a:pPr/>
-              <a:t>2022/8/2</a:t>
+              <a:t>2022/8/4</a:t>
             </a:fld>
             <a:endParaRPr kumimoji="1" lang="ja-JP" altLang="en-US"/>
           </a:p>
@@ -634,7 +627,7 @@
             <a:fld id="{7FCC5AE5-E495-4913-B643-A95A6AFABB00}" type="datetimeFigureOut">
               <a:rPr kumimoji="1" lang="ja-JP" altLang="en-US" smtClean="0"/>
               <a:pPr/>
-              <a:t>2022/8/2</a:t>
+              <a:t>2022/8/4</a:t>
             </a:fld>
             <a:endParaRPr kumimoji="1" lang="ja-JP" altLang="en-US"/>
           </a:p>
@@ -806,7 +799,7 @@
             <a:fld id="{7FCC5AE5-E495-4913-B643-A95A6AFABB00}" type="datetimeFigureOut">
               <a:rPr kumimoji="1" lang="ja-JP" altLang="en-US" smtClean="0"/>
               <a:pPr/>
-              <a:t>2022/8/2</a:t>
+              <a:t>2022/8/4</a:t>
             </a:fld>
             <a:endParaRPr kumimoji="1" lang="ja-JP" altLang="en-US"/>
           </a:p>
@@ -1054,7 +1047,7 @@
             <a:fld id="{7FCC5AE5-E495-4913-B643-A95A6AFABB00}" type="datetimeFigureOut">
               <a:rPr kumimoji="1" lang="ja-JP" altLang="en-US" smtClean="0"/>
               <a:pPr/>
-              <a:t>2022/8/2</a:t>
+              <a:t>2022/8/4</a:t>
             </a:fld>
             <a:endParaRPr kumimoji="1" lang="ja-JP" altLang="en-US"/>
           </a:p>
@@ -1288,7 +1281,7 @@
             <a:fld id="{7FCC5AE5-E495-4913-B643-A95A6AFABB00}" type="datetimeFigureOut">
               <a:rPr kumimoji="1" lang="ja-JP" altLang="en-US" smtClean="0"/>
               <a:pPr/>
-              <a:t>2022/8/2</a:t>
+              <a:t>2022/8/4</a:t>
             </a:fld>
             <a:endParaRPr kumimoji="1" lang="ja-JP" altLang="en-US"/>
           </a:p>
@@ -1657,7 +1650,7 @@
             <a:fld id="{7FCC5AE5-E495-4913-B643-A95A6AFABB00}" type="datetimeFigureOut">
               <a:rPr kumimoji="1" lang="ja-JP" altLang="en-US" smtClean="0"/>
               <a:pPr/>
-              <a:t>2022/8/2</a:t>
+              <a:t>2022/8/4</a:t>
             </a:fld>
             <a:endParaRPr kumimoji="1" lang="ja-JP" altLang="en-US"/>
           </a:p>
@@ -1777,7 +1770,7 @@
             <a:fld id="{7FCC5AE5-E495-4913-B643-A95A6AFABB00}" type="datetimeFigureOut">
               <a:rPr kumimoji="1" lang="ja-JP" altLang="en-US" smtClean="0"/>
               <a:pPr/>
-              <a:t>2022/8/2</a:t>
+              <a:t>2022/8/4</a:t>
             </a:fld>
             <a:endParaRPr kumimoji="1" lang="ja-JP" altLang="en-US"/>
           </a:p>
@@ -1874,7 +1867,7 @@
             <a:fld id="{7FCC5AE5-E495-4913-B643-A95A6AFABB00}" type="datetimeFigureOut">
               <a:rPr kumimoji="1" lang="ja-JP" altLang="en-US" smtClean="0"/>
               <a:pPr/>
-              <a:t>2022/8/2</a:t>
+              <a:t>2022/8/4</a:t>
             </a:fld>
             <a:endParaRPr kumimoji="1" lang="ja-JP" altLang="en-US"/>
           </a:p>
@@ -2153,7 +2146,7 @@
             <a:fld id="{7FCC5AE5-E495-4913-B643-A95A6AFABB00}" type="datetimeFigureOut">
               <a:rPr kumimoji="1" lang="ja-JP" altLang="en-US" smtClean="0"/>
               <a:pPr/>
-              <a:t>2022/8/2</a:t>
+              <a:t>2022/8/4</a:t>
             </a:fld>
             <a:endParaRPr kumimoji="1" lang="ja-JP" altLang="en-US"/>
           </a:p>
@@ -2412,7 +2405,7 @@
             <a:fld id="{7FCC5AE5-E495-4913-B643-A95A6AFABB00}" type="datetimeFigureOut">
               <a:rPr kumimoji="1" lang="ja-JP" altLang="en-US" smtClean="0"/>
               <a:pPr/>
-              <a:t>2022/8/2</a:t>
+              <a:t>2022/8/4</a:t>
             </a:fld>
             <a:endParaRPr kumimoji="1" lang="ja-JP" altLang="en-US"/>
           </a:p>
@@ -2627,7 +2620,7 @@
             <a:fld id="{7FCC5AE5-E495-4913-B643-A95A6AFABB00}" type="datetimeFigureOut">
               <a:rPr kumimoji="1" lang="ja-JP" altLang="en-US" smtClean="0"/>
               <a:pPr/>
-              <a:t>2022/8/2</a:t>
+              <a:t>2022/8/4</a:t>
             </a:fld>
             <a:endParaRPr kumimoji="1" lang="ja-JP" altLang="en-US"/>
           </a:p>
@@ -4448,2156 +4441,6 @@
 </p:sld>
 </file>
 
-<file path=ppt/slides/slide20.xml><?xml version="1.0" encoding="utf-8"?>
-<p:sld xmlns:a="http://schemas.openxmlformats.org/drawingml/2006/main" xmlns:r="http://schemas.openxmlformats.org/officeDocument/2006/relationships" xmlns:p="http://schemas.openxmlformats.org/presentationml/2006/main">
-  <p:cSld>
-    <p:spTree>
-      <p:nvGrpSpPr>
-        <p:cNvPr id="1" name=""/>
-        <p:cNvGrpSpPr/>
-        <p:nvPr/>
-      </p:nvGrpSpPr>
-      <p:grpSpPr>
-        <a:xfrm>
-          <a:off x="0" y="0"/>
-          <a:ext cx="0" cy="0"/>
-          <a:chOff x="0" y="0"/>
-          <a:chExt cx="0" cy="0"/>
-        </a:xfrm>
-      </p:grpSpPr>
-      <p:sp>
-        <p:nvSpPr>
-          <p:cNvPr id="2" name="Title 1"/>
-          <p:cNvSpPr>
-            <a:spLocks noGrp="1"/>
-          </p:cNvSpPr>
-          <p:nvPr>
-            <p:ph type="title"/>
-          </p:nvPr>
-        </p:nvSpPr>
-        <p:spPr/>
-        <p:txBody>
-          <a:bodyPr/>
-          <a:lstStyle/>
-          <a:p>
-            <a:r>
-              <a:rPr lang="en-US" dirty="0" err="1" smtClean="0"/>
-              <a:t>Map,Filter,Reduce</a:t>
-            </a:r>
-            <a:endParaRPr lang="en-US" dirty="0"/>
-          </a:p>
-        </p:txBody>
-      </p:sp>
-      <p:pic>
-        <p:nvPicPr>
-          <p:cNvPr id="8194" name="Picture 2"/>
-          <p:cNvPicPr>
-            <a:picLocks noGrp="1" noChangeAspect="1" noChangeArrowheads="1"/>
-          </p:cNvPicPr>
-          <p:nvPr>
-            <p:ph idx="1"/>
-          </p:nvPr>
-        </p:nvPicPr>
-        <p:blipFill>
-          <a:blip r:embed="rId2"/>
-          <a:srcRect/>
-          <a:stretch>
-            <a:fillRect/>
-          </a:stretch>
-        </p:blipFill>
-        <p:spPr bwMode="auto">
-          <a:xfrm>
-            <a:off x="1070189" y="1525180"/>
-            <a:ext cx="10216119" cy="5058500"/>
-          </a:xfrm>
-          <a:prstGeom prst="rect">
-            <a:avLst/>
-          </a:prstGeom>
-          <a:noFill/>
-          <a:ln w="9525">
-            <a:noFill/>
-            <a:miter lim="800000"/>
-            <a:headEnd/>
-            <a:tailEnd/>
-          </a:ln>
-          <a:effectLst/>
-        </p:spPr>
-      </p:pic>
-    </p:spTree>
-  </p:cSld>
-  <p:clrMapOvr>
-    <a:masterClrMapping/>
-  </p:clrMapOvr>
-</p:sld>
-</file>
-
-<file path=ppt/slides/slide21.xml><?xml version="1.0" encoding="utf-8"?>
-<p:sld xmlns:a="http://schemas.openxmlformats.org/drawingml/2006/main" xmlns:r="http://schemas.openxmlformats.org/officeDocument/2006/relationships" xmlns:p="http://schemas.openxmlformats.org/presentationml/2006/main">
-  <p:cSld>
-    <p:spTree>
-      <p:nvGrpSpPr>
-        <p:cNvPr id="1" name=""/>
-        <p:cNvGrpSpPr/>
-        <p:nvPr/>
-      </p:nvGrpSpPr>
-      <p:grpSpPr>
-        <a:xfrm>
-          <a:off x="0" y="0"/>
-          <a:ext cx="0" cy="0"/>
-          <a:chOff x="0" y="0"/>
-          <a:chExt cx="0" cy="0"/>
-        </a:xfrm>
-      </p:grpSpPr>
-      <p:sp>
-        <p:nvSpPr>
-          <p:cNvPr id="4" name="Content Placeholder 13"/>
-          <p:cNvSpPr txBox="1">
-            <a:spLocks/>
-          </p:cNvSpPr>
-          <p:nvPr/>
-        </p:nvSpPr>
-        <p:spPr>
-          <a:xfrm>
-            <a:off x="256350" y="19305"/>
-            <a:ext cx="9791700" cy="630192"/>
-          </a:xfrm>
-          <a:prstGeom prst="rect">
-            <a:avLst/>
-          </a:prstGeom>
-        </p:spPr>
-        <p:txBody>
-          <a:bodyPr vert="horz" lIns="91440" tIns="45720" rIns="91440" bIns="45720" rtlCol="0">
-            <a:noAutofit/>
-          </a:bodyPr>
-          <a:lstStyle>
-            <a:lvl1pPr marL="0" indent="0" algn="ctr" defTabSz="914400" rtl="0" eaLnBrk="1" latinLnBrk="0" hangingPunct="1">
-              <a:lnSpc>
-                <a:spcPct val="90000"/>
-              </a:lnSpc>
-              <a:spcBef>
-                <a:spcPts val="1000"/>
-              </a:spcBef>
-              <a:buFont typeface="Arial" panose="020B0604020202020204" pitchFamily="34" charset="0"/>
-              <a:buNone/>
-              <a:defRPr kumimoji="1" sz="2400" kern="1200">
-                <a:solidFill>
-                  <a:schemeClr val="tx1"/>
-                </a:solidFill>
-                <a:latin typeface="+mn-lt"/>
-                <a:ea typeface="+mn-ea"/>
-                <a:cs typeface="+mn-cs"/>
-              </a:defRPr>
-            </a:lvl1pPr>
-            <a:lvl2pPr marL="457200" indent="0" algn="ctr" defTabSz="914400" rtl="0" eaLnBrk="1" latinLnBrk="0" hangingPunct="1">
-              <a:lnSpc>
-                <a:spcPct val="90000"/>
-              </a:lnSpc>
-              <a:spcBef>
-                <a:spcPts val="500"/>
-              </a:spcBef>
-              <a:buFont typeface="Arial" panose="020B0604020202020204" pitchFamily="34" charset="0"/>
-              <a:buNone/>
-              <a:defRPr kumimoji="1" sz="2000" kern="1200">
-                <a:solidFill>
-                  <a:schemeClr val="tx1"/>
-                </a:solidFill>
-                <a:latin typeface="+mn-lt"/>
-                <a:ea typeface="+mn-ea"/>
-                <a:cs typeface="+mn-cs"/>
-              </a:defRPr>
-            </a:lvl2pPr>
-            <a:lvl3pPr marL="914400" indent="0" algn="ctr" defTabSz="914400" rtl="0" eaLnBrk="1" latinLnBrk="0" hangingPunct="1">
-              <a:lnSpc>
-                <a:spcPct val="90000"/>
-              </a:lnSpc>
-              <a:spcBef>
-                <a:spcPts val="500"/>
-              </a:spcBef>
-              <a:buFont typeface="Arial" panose="020B0604020202020204" pitchFamily="34" charset="0"/>
-              <a:buNone/>
-              <a:defRPr kumimoji="1" sz="1800" kern="1200">
-                <a:solidFill>
-                  <a:schemeClr val="tx1"/>
-                </a:solidFill>
-                <a:latin typeface="+mn-lt"/>
-                <a:ea typeface="+mn-ea"/>
-                <a:cs typeface="+mn-cs"/>
-              </a:defRPr>
-            </a:lvl3pPr>
-            <a:lvl4pPr marL="1371600" indent="0" algn="ctr" defTabSz="914400" rtl="0" eaLnBrk="1" latinLnBrk="0" hangingPunct="1">
-              <a:lnSpc>
-                <a:spcPct val="90000"/>
-              </a:lnSpc>
-              <a:spcBef>
-                <a:spcPts val="500"/>
-              </a:spcBef>
-              <a:buFont typeface="Arial" panose="020B0604020202020204" pitchFamily="34" charset="0"/>
-              <a:buNone/>
-              <a:defRPr kumimoji="1" sz="1600" kern="1200">
-                <a:solidFill>
-                  <a:schemeClr val="tx1"/>
-                </a:solidFill>
-                <a:latin typeface="+mn-lt"/>
-                <a:ea typeface="+mn-ea"/>
-                <a:cs typeface="+mn-cs"/>
-              </a:defRPr>
-            </a:lvl4pPr>
-            <a:lvl5pPr marL="1828800" indent="0" algn="ctr" defTabSz="914400" rtl="0" eaLnBrk="1" latinLnBrk="0" hangingPunct="1">
-              <a:lnSpc>
-                <a:spcPct val="90000"/>
-              </a:lnSpc>
-              <a:spcBef>
-                <a:spcPts val="500"/>
-              </a:spcBef>
-              <a:buFont typeface="Arial" panose="020B0604020202020204" pitchFamily="34" charset="0"/>
-              <a:buNone/>
-              <a:defRPr kumimoji="1" sz="1600" kern="1200">
-                <a:solidFill>
-                  <a:schemeClr val="tx1"/>
-                </a:solidFill>
-                <a:latin typeface="+mn-lt"/>
-                <a:ea typeface="+mn-ea"/>
-                <a:cs typeface="+mn-cs"/>
-              </a:defRPr>
-            </a:lvl5pPr>
-            <a:lvl6pPr marL="2286000" indent="0" algn="ctr" defTabSz="914400" rtl="0" eaLnBrk="1" latinLnBrk="0" hangingPunct="1">
-              <a:lnSpc>
-                <a:spcPct val="90000"/>
-              </a:lnSpc>
-              <a:spcBef>
-                <a:spcPts val="500"/>
-              </a:spcBef>
-              <a:buFont typeface="Arial" panose="020B0604020202020204" pitchFamily="34" charset="0"/>
-              <a:buNone/>
-              <a:defRPr kumimoji="1" sz="1600" kern="1200">
-                <a:solidFill>
-                  <a:schemeClr val="tx1"/>
-                </a:solidFill>
-                <a:latin typeface="+mn-lt"/>
-                <a:ea typeface="+mn-ea"/>
-                <a:cs typeface="+mn-cs"/>
-              </a:defRPr>
-            </a:lvl6pPr>
-            <a:lvl7pPr marL="2743200" indent="0" algn="ctr" defTabSz="914400" rtl="0" eaLnBrk="1" latinLnBrk="0" hangingPunct="1">
-              <a:lnSpc>
-                <a:spcPct val="90000"/>
-              </a:lnSpc>
-              <a:spcBef>
-                <a:spcPts val="500"/>
-              </a:spcBef>
-              <a:buFont typeface="Arial" panose="020B0604020202020204" pitchFamily="34" charset="0"/>
-              <a:buNone/>
-              <a:defRPr kumimoji="1" sz="1600" kern="1200">
-                <a:solidFill>
-                  <a:schemeClr val="tx1"/>
-                </a:solidFill>
-                <a:latin typeface="+mn-lt"/>
-                <a:ea typeface="+mn-ea"/>
-                <a:cs typeface="+mn-cs"/>
-              </a:defRPr>
-            </a:lvl7pPr>
-            <a:lvl8pPr marL="3200400" indent="0" algn="ctr" defTabSz="914400" rtl="0" eaLnBrk="1" latinLnBrk="0" hangingPunct="1">
-              <a:lnSpc>
-                <a:spcPct val="90000"/>
-              </a:lnSpc>
-              <a:spcBef>
-                <a:spcPts val="500"/>
-              </a:spcBef>
-              <a:buFont typeface="Arial" panose="020B0604020202020204" pitchFamily="34" charset="0"/>
-              <a:buNone/>
-              <a:defRPr kumimoji="1" sz="1600" kern="1200">
-                <a:solidFill>
-                  <a:schemeClr val="tx1"/>
-                </a:solidFill>
-                <a:latin typeface="+mn-lt"/>
-                <a:ea typeface="+mn-ea"/>
-                <a:cs typeface="+mn-cs"/>
-              </a:defRPr>
-            </a:lvl8pPr>
-            <a:lvl9pPr marL="3657600" indent="0" algn="ctr" defTabSz="914400" rtl="0" eaLnBrk="1" latinLnBrk="0" hangingPunct="1">
-              <a:lnSpc>
-                <a:spcPct val="90000"/>
-              </a:lnSpc>
-              <a:spcBef>
-                <a:spcPts val="500"/>
-              </a:spcBef>
-              <a:buFont typeface="Arial" panose="020B0604020202020204" pitchFamily="34" charset="0"/>
-              <a:buNone/>
-              <a:defRPr kumimoji="1" sz="1600" kern="1200">
-                <a:solidFill>
-                  <a:schemeClr val="tx1"/>
-                </a:solidFill>
-                <a:latin typeface="+mn-lt"/>
-                <a:ea typeface="+mn-ea"/>
-                <a:cs typeface="+mn-cs"/>
-              </a:defRPr>
-            </a:lvl9pPr>
-          </a:lstStyle>
-          <a:p>
-            <a:pPr algn="l"/>
-            <a:r>
-              <a:rPr lang="en-US" sz="3600" b="1" dirty="0" smtClean="0">
-                <a:solidFill>
-                  <a:srgbClr val="0064B5"/>
-                </a:solidFill>
-              </a:rPr>
-              <a:t>Object</a:t>
-            </a:r>
-            <a:endParaRPr lang="en-US" sz="3600" b="1" dirty="0">
-              <a:solidFill>
-                <a:srgbClr val="0064B5"/>
-              </a:solidFill>
-            </a:endParaRPr>
-          </a:p>
-        </p:txBody>
-      </p:sp>
-      <p:sp>
-        <p:nvSpPr>
-          <p:cNvPr id="11" name="Rectangle 10"/>
-          <p:cNvSpPr/>
-          <p:nvPr/>
-        </p:nvSpPr>
-        <p:spPr>
-          <a:xfrm>
-            <a:off x="261248" y="539309"/>
-            <a:ext cx="10228770" cy="369332"/>
-          </a:xfrm>
-          <a:prstGeom prst="rect">
-            <a:avLst/>
-          </a:prstGeom>
-        </p:spPr>
-        <p:txBody>
-          <a:bodyPr wrap="square">
-            <a:spAutoFit/>
-          </a:bodyPr>
-          <a:lstStyle/>
-          <a:p>
-            <a:r>
-              <a:rPr lang="en-US" dirty="0"/>
-              <a:t>JavaScript object is a non-primitive data-type that allows you to store multiple collections of data</a:t>
-            </a:r>
-            <a:endParaRPr lang="en-IN" b="1" u="sng" dirty="0"/>
-          </a:p>
-        </p:txBody>
-      </p:sp>
-      <p:sp>
-        <p:nvSpPr>
-          <p:cNvPr id="21" name="Rectangle 20"/>
-          <p:cNvSpPr/>
-          <p:nvPr/>
-        </p:nvSpPr>
-        <p:spPr>
-          <a:xfrm>
-            <a:off x="332279" y="985826"/>
-            <a:ext cx="4973685" cy="1463994"/>
-          </a:xfrm>
-          <a:prstGeom prst="rect">
-            <a:avLst/>
-          </a:prstGeom>
-          <a:gradFill flip="none" rotWithShape="1">
-            <a:gsLst>
-              <a:gs pos="0">
-                <a:schemeClr val="bg2"/>
-              </a:gs>
-              <a:gs pos="50000">
-                <a:schemeClr val="accent3">
-                  <a:lumMod val="20000"/>
-                  <a:lumOff val="80000"/>
-                  <a:shade val="67500"/>
-                  <a:satMod val="115000"/>
-                </a:schemeClr>
-              </a:gs>
-              <a:gs pos="100000">
-                <a:schemeClr val="accent3">
-                  <a:lumMod val="20000"/>
-                  <a:lumOff val="80000"/>
-                  <a:shade val="100000"/>
-                  <a:satMod val="115000"/>
-                </a:schemeClr>
-              </a:gs>
-            </a:gsLst>
-            <a:lin ang="6600000" scaled="0"/>
-            <a:tileRect/>
-          </a:gradFill>
-          <a:ln>
-            <a:solidFill>
-              <a:schemeClr val="tx1">
-                <a:lumMod val="50000"/>
-                <a:lumOff val="50000"/>
-              </a:schemeClr>
-            </a:solidFill>
-          </a:ln>
-        </p:spPr>
-        <p:style>
-          <a:lnRef idx="2">
-            <a:schemeClr val="accent1">
-              <a:shade val="50000"/>
-            </a:schemeClr>
-          </a:lnRef>
-          <a:fillRef idx="1">
-            <a:schemeClr val="accent1"/>
-          </a:fillRef>
-          <a:effectRef idx="0">
-            <a:schemeClr val="accent1"/>
-          </a:effectRef>
-          <a:fontRef idx="minor">
-            <a:schemeClr val="lt1"/>
-          </a:fontRef>
-        </p:style>
-        <p:txBody>
-          <a:bodyPr rtlCol="0" anchor="ctr"/>
-          <a:lstStyle/>
-          <a:p>
-            <a:r>
-              <a:rPr lang="en-US" sz="1500" b="1" u="sng" dirty="0" smtClean="0">
-                <a:solidFill>
-                  <a:schemeClr val="tx1"/>
-                </a:solidFill>
-              </a:rPr>
-              <a:t>Syntax:</a:t>
-            </a:r>
-          </a:p>
-          <a:p>
-            <a:r>
-              <a:rPr lang="en-US" sz="1500" dirty="0" err="1">
-                <a:solidFill>
-                  <a:schemeClr val="tx1"/>
-                </a:solidFill>
-              </a:rPr>
-              <a:t>const</a:t>
-            </a:r>
-            <a:r>
-              <a:rPr lang="en-US" sz="1500" dirty="0">
-                <a:solidFill>
-                  <a:schemeClr val="tx1"/>
-                </a:solidFill>
-              </a:rPr>
-              <a:t> </a:t>
-            </a:r>
-            <a:r>
-              <a:rPr lang="en-US" sz="1500" dirty="0" err="1">
-                <a:solidFill>
-                  <a:schemeClr val="tx1"/>
-                </a:solidFill>
-              </a:rPr>
-              <a:t>object_name</a:t>
-            </a:r>
-            <a:r>
-              <a:rPr lang="en-US" sz="1500" dirty="0">
-                <a:solidFill>
-                  <a:schemeClr val="tx1"/>
-                </a:solidFill>
-              </a:rPr>
-              <a:t> = {</a:t>
-            </a:r>
-          </a:p>
-          <a:p>
-            <a:r>
-              <a:rPr lang="en-US" sz="1500" dirty="0">
-                <a:solidFill>
-                  <a:schemeClr val="tx1"/>
-                </a:solidFill>
-              </a:rPr>
-              <a:t>   key1: value1,</a:t>
-            </a:r>
-          </a:p>
-          <a:p>
-            <a:r>
-              <a:rPr lang="en-US" sz="1500" dirty="0">
-                <a:solidFill>
-                  <a:schemeClr val="tx1"/>
-                </a:solidFill>
-              </a:rPr>
-              <a:t>   key2: value2</a:t>
-            </a:r>
-          </a:p>
-          <a:p>
-            <a:r>
-              <a:rPr lang="en-US" sz="1500" dirty="0" smtClean="0">
-                <a:solidFill>
-                  <a:schemeClr val="tx1"/>
-                </a:solidFill>
-              </a:rPr>
-              <a:t>}</a:t>
-            </a:r>
-            <a:endParaRPr lang="en-US" sz="1500" b="1" u="sng" dirty="0">
-              <a:solidFill>
-                <a:schemeClr val="tx1"/>
-              </a:solidFill>
-            </a:endParaRPr>
-          </a:p>
-        </p:txBody>
-      </p:sp>
-      <p:sp>
-        <p:nvSpPr>
-          <p:cNvPr id="17" name="Rectangle 16"/>
-          <p:cNvSpPr/>
-          <p:nvPr/>
-        </p:nvSpPr>
-        <p:spPr>
-          <a:xfrm>
-            <a:off x="332278" y="3220010"/>
-            <a:ext cx="4973685" cy="1559022"/>
-          </a:xfrm>
-          <a:prstGeom prst="rect">
-            <a:avLst/>
-          </a:prstGeom>
-          <a:gradFill flip="none" rotWithShape="1">
-            <a:gsLst>
-              <a:gs pos="0">
-                <a:schemeClr val="bg2"/>
-              </a:gs>
-              <a:gs pos="50000">
-                <a:schemeClr val="accent3">
-                  <a:lumMod val="20000"/>
-                  <a:lumOff val="80000"/>
-                  <a:shade val="67500"/>
-                  <a:satMod val="115000"/>
-                </a:schemeClr>
-              </a:gs>
-              <a:gs pos="100000">
-                <a:schemeClr val="accent3">
-                  <a:lumMod val="20000"/>
-                  <a:lumOff val="80000"/>
-                  <a:shade val="100000"/>
-                  <a:satMod val="115000"/>
-                </a:schemeClr>
-              </a:gs>
-            </a:gsLst>
-            <a:lin ang="6600000" scaled="0"/>
-            <a:tileRect/>
-          </a:gradFill>
-          <a:ln>
-            <a:solidFill>
-              <a:schemeClr val="tx1">
-                <a:lumMod val="50000"/>
-                <a:lumOff val="50000"/>
-              </a:schemeClr>
-            </a:solidFill>
-          </a:ln>
-        </p:spPr>
-        <p:style>
-          <a:lnRef idx="2">
-            <a:schemeClr val="accent1">
-              <a:shade val="50000"/>
-            </a:schemeClr>
-          </a:lnRef>
-          <a:fillRef idx="1">
-            <a:schemeClr val="accent1"/>
-          </a:fillRef>
-          <a:effectRef idx="0">
-            <a:schemeClr val="accent1"/>
-          </a:effectRef>
-          <a:fontRef idx="minor">
-            <a:schemeClr val="lt1"/>
-          </a:fontRef>
-        </p:style>
-        <p:txBody>
-          <a:bodyPr rtlCol="0" anchor="ctr"/>
-          <a:lstStyle/>
-          <a:p>
-            <a:r>
-              <a:rPr lang="en-US" sz="1500" dirty="0">
-                <a:solidFill>
-                  <a:schemeClr val="tx1"/>
-                </a:solidFill>
-              </a:rPr>
-              <a:t>// object creation</a:t>
-            </a:r>
-          </a:p>
-          <a:p>
-            <a:r>
-              <a:rPr lang="en-US" sz="1500" dirty="0" smtClean="0">
-                <a:solidFill>
-                  <a:schemeClr val="tx1"/>
-                </a:solidFill>
-              </a:rPr>
-              <a:t>let </a:t>
-            </a:r>
-            <a:r>
-              <a:rPr lang="en-US" sz="1500" dirty="0">
-                <a:solidFill>
-                  <a:schemeClr val="tx1"/>
-                </a:solidFill>
-              </a:rPr>
-              <a:t>person = { </a:t>
-            </a:r>
-          </a:p>
-          <a:p>
-            <a:r>
-              <a:rPr lang="en-US" sz="1500" dirty="0">
-                <a:solidFill>
-                  <a:schemeClr val="tx1"/>
-                </a:solidFill>
-              </a:rPr>
-              <a:t>    name: </a:t>
-            </a:r>
-            <a:r>
-              <a:rPr lang="en-US" sz="1500" dirty="0" smtClean="0">
-                <a:solidFill>
-                  <a:schemeClr val="tx1"/>
-                </a:solidFill>
-              </a:rPr>
-              <a:t>'John',</a:t>
-            </a:r>
-            <a:endParaRPr lang="en-US" sz="1500" dirty="0">
-              <a:solidFill>
-                <a:schemeClr val="tx1"/>
-              </a:solidFill>
-            </a:endParaRPr>
-          </a:p>
-          <a:p>
-            <a:r>
-              <a:rPr lang="en-US" sz="1500" dirty="0">
-                <a:solidFill>
-                  <a:schemeClr val="tx1"/>
-                </a:solidFill>
-              </a:rPr>
-              <a:t>    age: 20</a:t>
-            </a:r>
-          </a:p>
-          <a:p>
-            <a:r>
-              <a:rPr lang="en-US" sz="1500" dirty="0">
-                <a:solidFill>
-                  <a:schemeClr val="tx1"/>
-                </a:solidFill>
-              </a:rPr>
-              <a:t>};</a:t>
-            </a:r>
-          </a:p>
-          <a:p>
-            <a:r>
-              <a:rPr lang="en-US" sz="1500" dirty="0">
-                <a:solidFill>
-                  <a:schemeClr val="tx1"/>
-                </a:solidFill>
-              </a:rPr>
-              <a:t>console.log(</a:t>
-            </a:r>
-            <a:r>
-              <a:rPr lang="en-US" sz="1500" dirty="0" err="1">
-                <a:solidFill>
-                  <a:schemeClr val="tx1"/>
-                </a:solidFill>
-              </a:rPr>
-              <a:t>typeof</a:t>
-            </a:r>
-            <a:r>
-              <a:rPr lang="en-US" sz="1500" dirty="0">
-                <a:solidFill>
-                  <a:schemeClr val="tx1"/>
-                </a:solidFill>
-              </a:rPr>
-              <a:t> person); // object</a:t>
-            </a:r>
-          </a:p>
-        </p:txBody>
-      </p:sp>
-      <p:pic>
-        <p:nvPicPr>
-          <p:cNvPr id="7" name="Picture 6"/>
-          <p:cNvPicPr>
-            <a:picLocks noChangeAspect="1"/>
-          </p:cNvPicPr>
-          <p:nvPr/>
-        </p:nvPicPr>
-        <p:blipFill>
-          <a:blip r:embed="rId2"/>
-          <a:stretch>
-            <a:fillRect/>
-          </a:stretch>
-        </p:blipFill>
-        <p:spPr>
-          <a:xfrm>
-            <a:off x="6156960" y="1100603"/>
-            <a:ext cx="4876800" cy="1295400"/>
-          </a:xfrm>
-          <a:prstGeom prst="rect">
-            <a:avLst/>
-          </a:prstGeom>
-        </p:spPr>
-      </p:pic>
-      <p:sp>
-        <p:nvSpPr>
-          <p:cNvPr id="2" name="Rectangle 1"/>
-          <p:cNvSpPr/>
-          <p:nvPr/>
-        </p:nvSpPr>
-        <p:spPr>
-          <a:xfrm>
-            <a:off x="6156960" y="3220010"/>
-            <a:ext cx="4208203" cy="369332"/>
-          </a:xfrm>
-          <a:prstGeom prst="rect">
-            <a:avLst/>
-          </a:prstGeom>
-        </p:spPr>
-        <p:txBody>
-          <a:bodyPr wrap="none">
-            <a:spAutoFit/>
-          </a:bodyPr>
-          <a:lstStyle/>
-          <a:p>
-            <a:r>
-              <a:rPr lang="en-US" dirty="0">
-                <a:latin typeface="euclid_circular_a"/>
-              </a:rPr>
-              <a:t>"key: value" pairs are called </a:t>
-            </a:r>
-            <a:r>
-              <a:rPr lang="en-US" b="1" dirty="0">
-                <a:latin typeface="euclid_circular_a"/>
-              </a:rPr>
-              <a:t>properties</a:t>
-            </a:r>
-            <a:endParaRPr lang="en-IN" dirty="0"/>
-          </a:p>
-        </p:txBody>
-      </p:sp>
-    </p:spTree>
-    <p:extLst>
-      <p:ext uri="{BB962C8B-B14F-4D97-AF65-F5344CB8AC3E}">
-        <p14:creationId xmlns="" xmlns:p14="http://schemas.microsoft.com/office/powerpoint/2010/main" val="1954856189"/>
-      </p:ext>
-    </p:extLst>
-  </p:cSld>
-  <p:clrMapOvr>
-    <a:masterClrMapping/>
-  </p:clrMapOvr>
-  <p:timing>
-    <p:tnLst>
-      <p:par>
-        <p:cTn id="1" dur="indefinite" restart="never" nodeType="tmRoot"/>
-      </p:par>
-    </p:tnLst>
-  </p:timing>
-</p:sld>
-</file>
-
-<file path=ppt/slides/slide22.xml><?xml version="1.0" encoding="utf-8"?>
-<p:sld xmlns:a="http://schemas.openxmlformats.org/drawingml/2006/main" xmlns:r="http://schemas.openxmlformats.org/officeDocument/2006/relationships" xmlns:p="http://schemas.openxmlformats.org/presentationml/2006/main">
-  <p:cSld>
-    <p:spTree>
-      <p:nvGrpSpPr>
-        <p:cNvPr id="1" name=""/>
-        <p:cNvGrpSpPr/>
-        <p:nvPr/>
-      </p:nvGrpSpPr>
-      <p:grpSpPr>
-        <a:xfrm>
-          <a:off x="0" y="0"/>
-          <a:ext cx="0" cy="0"/>
-          <a:chOff x="0" y="0"/>
-          <a:chExt cx="0" cy="0"/>
-        </a:xfrm>
-      </p:grpSpPr>
-      <p:sp>
-        <p:nvSpPr>
-          <p:cNvPr id="2" name="Title 1"/>
-          <p:cNvSpPr>
-            <a:spLocks noGrp="1"/>
-          </p:cNvSpPr>
-          <p:nvPr>
-            <p:ph type="title"/>
-          </p:nvPr>
-        </p:nvSpPr>
-        <p:spPr/>
-        <p:txBody>
-          <a:bodyPr/>
-          <a:lstStyle/>
-          <a:p>
-            <a:r>
-              <a:rPr lang="en-IN" dirty="0" smtClean="0"/>
-              <a:t>What is object</a:t>
-            </a:r>
-            <a:endParaRPr lang="en-US" dirty="0"/>
-          </a:p>
-        </p:txBody>
-      </p:sp>
-      <p:pic>
-        <p:nvPicPr>
-          <p:cNvPr id="30722" name="Picture 2"/>
-          <p:cNvPicPr>
-            <a:picLocks noGrp="1" noChangeAspect="1" noChangeArrowheads="1"/>
-          </p:cNvPicPr>
-          <p:nvPr>
-            <p:ph idx="1"/>
-          </p:nvPr>
-        </p:nvPicPr>
-        <p:blipFill>
-          <a:blip r:embed="rId2"/>
-          <a:srcRect/>
-          <a:stretch>
-            <a:fillRect/>
-          </a:stretch>
-        </p:blipFill>
-        <p:spPr bwMode="auto">
-          <a:xfrm>
-            <a:off x="1308100" y="2313782"/>
-            <a:ext cx="8255000" cy="3438525"/>
-          </a:xfrm>
-          <a:prstGeom prst="rect">
-            <a:avLst/>
-          </a:prstGeom>
-          <a:noFill/>
-          <a:ln w="9525">
-            <a:noFill/>
-            <a:miter lim="800000"/>
-            <a:headEnd/>
-            <a:tailEnd/>
-          </a:ln>
-          <a:effectLst/>
-        </p:spPr>
-      </p:pic>
-    </p:spTree>
-  </p:cSld>
-  <p:clrMapOvr>
-    <a:masterClrMapping/>
-  </p:clrMapOvr>
-</p:sld>
-</file>
-
-<file path=ppt/slides/slide23.xml><?xml version="1.0" encoding="utf-8"?>
-<p:sld xmlns:a="http://schemas.openxmlformats.org/drawingml/2006/main" xmlns:r="http://schemas.openxmlformats.org/officeDocument/2006/relationships" xmlns:p="http://schemas.openxmlformats.org/presentationml/2006/main">
-  <p:cSld>
-    <p:spTree>
-      <p:nvGrpSpPr>
-        <p:cNvPr id="1" name=""/>
-        <p:cNvGrpSpPr/>
-        <p:nvPr/>
-      </p:nvGrpSpPr>
-      <p:grpSpPr>
-        <a:xfrm>
-          <a:off x="0" y="0"/>
-          <a:ext cx="0" cy="0"/>
-          <a:chOff x="0" y="0"/>
-          <a:chExt cx="0" cy="0"/>
-        </a:xfrm>
-      </p:grpSpPr>
-      <p:sp>
-        <p:nvSpPr>
-          <p:cNvPr id="2" name="Title 1"/>
-          <p:cNvSpPr>
-            <a:spLocks noGrp="1"/>
-          </p:cNvSpPr>
-          <p:nvPr>
-            <p:ph type="title"/>
-          </p:nvPr>
-        </p:nvSpPr>
-        <p:spPr/>
-        <p:txBody>
-          <a:bodyPr/>
-          <a:lstStyle/>
-          <a:p>
-            <a:r>
-              <a:rPr lang="en-IN" dirty="0" smtClean="0"/>
-              <a:t>Time and space complexity</a:t>
-            </a:r>
-            <a:endParaRPr lang="en-US" dirty="0"/>
-          </a:p>
-        </p:txBody>
-      </p:sp>
-      <p:pic>
-        <p:nvPicPr>
-          <p:cNvPr id="31746" name="Picture 2"/>
-          <p:cNvPicPr>
-            <a:picLocks noGrp="1" noChangeAspect="1" noChangeArrowheads="1"/>
-          </p:cNvPicPr>
-          <p:nvPr>
-            <p:ph idx="1"/>
-          </p:nvPr>
-        </p:nvPicPr>
-        <p:blipFill>
-          <a:blip r:embed="rId2"/>
-          <a:srcRect/>
-          <a:stretch>
-            <a:fillRect/>
-          </a:stretch>
-        </p:blipFill>
-        <p:spPr bwMode="auto">
-          <a:xfrm>
-            <a:off x="1085850" y="2000240"/>
-            <a:ext cx="8699500" cy="4071966"/>
-          </a:xfrm>
-          <a:prstGeom prst="rect">
-            <a:avLst/>
-          </a:prstGeom>
-          <a:noFill/>
-          <a:ln w="9525">
-            <a:noFill/>
-            <a:miter lim="800000"/>
-            <a:headEnd/>
-            <a:tailEnd/>
-          </a:ln>
-          <a:effectLst/>
-        </p:spPr>
-      </p:pic>
-    </p:spTree>
-  </p:cSld>
-  <p:clrMapOvr>
-    <a:masterClrMapping/>
-  </p:clrMapOvr>
-</p:sld>
-</file>
-
-<file path=ppt/slides/slide24.xml><?xml version="1.0" encoding="utf-8"?>
-<p:sld xmlns:a="http://schemas.openxmlformats.org/drawingml/2006/main" xmlns:r="http://schemas.openxmlformats.org/officeDocument/2006/relationships" xmlns:p="http://schemas.openxmlformats.org/presentationml/2006/main">
-  <p:cSld>
-    <p:spTree>
-      <p:nvGrpSpPr>
-        <p:cNvPr id="1" name=""/>
-        <p:cNvGrpSpPr/>
-        <p:nvPr/>
-      </p:nvGrpSpPr>
-      <p:grpSpPr>
-        <a:xfrm>
-          <a:off x="0" y="0"/>
-          <a:ext cx="0" cy="0"/>
-          <a:chOff x="0" y="0"/>
-          <a:chExt cx="0" cy="0"/>
-        </a:xfrm>
-      </p:grpSpPr>
-      <p:sp>
-        <p:nvSpPr>
-          <p:cNvPr id="2" name="Title 1"/>
-          <p:cNvSpPr>
-            <a:spLocks noGrp="1"/>
-          </p:cNvSpPr>
-          <p:nvPr>
-            <p:ph type="title"/>
-          </p:nvPr>
-        </p:nvSpPr>
-        <p:spPr/>
-        <p:txBody>
-          <a:bodyPr/>
-          <a:lstStyle/>
-          <a:p>
-            <a:r>
-              <a:rPr lang="en-IN" dirty="0" smtClean="0"/>
-              <a:t>When to use it?</a:t>
-            </a:r>
-            <a:endParaRPr lang="en-US" dirty="0"/>
-          </a:p>
-        </p:txBody>
-      </p:sp>
-      <p:pic>
-        <p:nvPicPr>
-          <p:cNvPr id="32770" name="Picture 2"/>
-          <p:cNvPicPr>
-            <a:picLocks noGrp="1" noChangeAspect="1" noChangeArrowheads="1"/>
-          </p:cNvPicPr>
-          <p:nvPr>
-            <p:ph idx="1"/>
-          </p:nvPr>
-        </p:nvPicPr>
-        <p:blipFill>
-          <a:blip r:embed="rId2"/>
-          <a:srcRect/>
-          <a:stretch>
-            <a:fillRect/>
-          </a:stretch>
-        </p:blipFill>
-        <p:spPr bwMode="auto">
-          <a:xfrm>
-            <a:off x="1098550" y="1870869"/>
-            <a:ext cx="8674100" cy="4324350"/>
-          </a:xfrm>
-          <a:prstGeom prst="rect">
-            <a:avLst/>
-          </a:prstGeom>
-          <a:noFill/>
-          <a:ln w="9525">
-            <a:noFill/>
-            <a:miter lim="800000"/>
-            <a:headEnd/>
-            <a:tailEnd/>
-          </a:ln>
-          <a:effectLst/>
-        </p:spPr>
-      </p:pic>
-    </p:spTree>
-  </p:cSld>
-  <p:clrMapOvr>
-    <a:masterClrMapping/>
-  </p:clrMapOvr>
-</p:sld>
-</file>
-
-<file path=ppt/slides/slide25.xml><?xml version="1.0" encoding="utf-8"?>
-<p:sld xmlns:a="http://schemas.openxmlformats.org/drawingml/2006/main" xmlns:r="http://schemas.openxmlformats.org/officeDocument/2006/relationships" xmlns:p="http://schemas.openxmlformats.org/presentationml/2006/main">
-  <p:cSld>
-    <p:spTree>
-      <p:nvGrpSpPr>
-        <p:cNvPr id="1" name=""/>
-        <p:cNvGrpSpPr/>
-        <p:nvPr/>
-      </p:nvGrpSpPr>
-      <p:grpSpPr>
-        <a:xfrm>
-          <a:off x="0" y="0"/>
-          <a:ext cx="0" cy="0"/>
-          <a:chOff x="0" y="0"/>
-          <a:chExt cx="0" cy="0"/>
-        </a:xfrm>
-      </p:grpSpPr>
-      <p:sp>
-        <p:nvSpPr>
-          <p:cNvPr id="4" name="Content Placeholder 13"/>
-          <p:cNvSpPr txBox="1">
-            <a:spLocks/>
-          </p:cNvSpPr>
-          <p:nvPr/>
-        </p:nvSpPr>
-        <p:spPr>
-          <a:xfrm>
-            <a:off x="256350" y="19305"/>
-            <a:ext cx="9791700" cy="630192"/>
-          </a:xfrm>
-          <a:prstGeom prst="rect">
-            <a:avLst/>
-          </a:prstGeom>
-        </p:spPr>
-        <p:txBody>
-          <a:bodyPr vert="horz" lIns="91440" tIns="45720" rIns="91440" bIns="45720" rtlCol="0">
-            <a:noAutofit/>
-          </a:bodyPr>
-          <a:lstStyle>
-            <a:lvl1pPr marL="0" indent="0" algn="ctr" defTabSz="914400" rtl="0" eaLnBrk="1" latinLnBrk="0" hangingPunct="1">
-              <a:lnSpc>
-                <a:spcPct val="90000"/>
-              </a:lnSpc>
-              <a:spcBef>
-                <a:spcPts val="1000"/>
-              </a:spcBef>
-              <a:buFont typeface="Arial" panose="020B0604020202020204" pitchFamily="34" charset="0"/>
-              <a:buNone/>
-              <a:defRPr kumimoji="1" sz="2400" kern="1200">
-                <a:solidFill>
-                  <a:schemeClr val="tx1"/>
-                </a:solidFill>
-                <a:latin typeface="+mn-lt"/>
-                <a:ea typeface="+mn-ea"/>
-                <a:cs typeface="+mn-cs"/>
-              </a:defRPr>
-            </a:lvl1pPr>
-            <a:lvl2pPr marL="457200" indent="0" algn="ctr" defTabSz="914400" rtl="0" eaLnBrk="1" latinLnBrk="0" hangingPunct="1">
-              <a:lnSpc>
-                <a:spcPct val="90000"/>
-              </a:lnSpc>
-              <a:spcBef>
-                <a:spcPts val="500"/>
-              </a:spcBef>
-              <a:buFont typeface="Arial" panose="020B0604020202020204" pitchFamily="34" charset="0"/>
-              <a:buNone/>
-              <a:defRPr kumimoji="1" sz="2000" kern="1200">
-                <a:solidFill>
-                  <a:schemeClr val="tx1"/>
-                </a:solidFill>
-                <a:latin typeface="+mn-lt"/>
-                <a:ea typeface="+mn-ea"/>
-                <a:cs typeface="+mn-cs"/>
-              </a:defRPr>
-            </a:lvl2pPr>
-            <a:lvl3pPr marL="914400" indent="0" algn="ctr" defTabSz="914400" rtl="0" eaLnBrk="1" latinLnBrk="0" hangingPunct="1">
-              <a:lnSpc>
-                <a:spcPct val="90000"/>
-              </a:lnSpc>
-              <a:spcBef>
-                <a:spcPts val="500"/>
-              </a:spcBef>
-              <a:buFont typeface="Arial" panose="020B0604020202020204" pitchFamily="34" charset="0"/>
-              <a:buNone/>
-              <a:defRPr kumimoji="1" sz="1800" kern="1200">
-                <a:solidFill>
-                  <a:schemeClr val="tx1"/>
-                </a:solidFill>
-                <a:latin typeface="+mn-lt"/>
-                <a:ea typeface="+mn-ea"/>
-                <a:cs typeface="+mn-cs"/>
-              </a:defRPr>
-            </a:lvl3pPr>
-            <a:lvl4pPr marL="1371600" indent="0" algn="ctr" defTabSz="914400" rtl="0" eaLnBrk="1" latinLnBrk="0" hangingPunct="1">
-              <a:lnSpc>
-                <a:spcPct val="90000"/>
-              </a:lnSpc>
-              <a:spcBef>
-                <a:spcPts val="500"/>
-              </a:spcBef>
-              <a:buFont typeface="Arial" panose="020B0604020202020204" pitchFamily="34" charset="0"/>
-              <a:buNone/>
-              <a:defRPr kumimoji="1" sz="1600" kern="1200">
-                <a:solidFill>
-                  <a:schemeClr val="tx1"/>
-                </a:solidFill>
-                <a:latin typeface="+mn-lt"/>
-                <a:ea typeface="+mn-ea"/>
-                <a:cs typeface="+mn-cs"/>
-              </a:defRPr>
-            </a:lvl4pPr>
-            <a:lvl5pPr marL="1828800" indent="0" algn="ctr" defTabSz="914400" rtl="0" eaLnBrk="1" latinLnBrk="0" hangingPunct="1">
-              <a:lnSpc>
-                <a:spcPct val="90000"/>
-              </a:lnSpc>
-              <a:spcBef>
-                <a:spcPts val="500"/>
-              </a:spcBef>
-              <a:buFont typeface="Arial" panose="020B0604020202020204" pitchFamily="34" charset="0"/>
-              <a:buNone/>
-              <a:defRPr kumimoji="1" sz="1600" kern="1200">
-                <a:solidFill>
-                  <a:schemeClr val="tx1"/>
-                </a:solidFill>
-                <a:latin typeface="+mn-lt"/>
-                <a:ea typeface="+mn-ea"/>
-                <a:cs typeface="+mn-cs"/>
-              </a:defRPr>
-            </a:lvl5pPr>
-            <a:lvl6pPr marL="2286000" indent="0" algn="ctr" defTabSz="914400" rtl="0" eaLnBrk="1" latinLnBrk="0" hangingPunct="1">
-              <a:lnSpc>
-                <a:spcPct val="90000"/>
-              </a:lnSpc>
-              <a:spcBef>
-                <a:spcPts val="500"/>
-              </a:spcBef>
-              <a:buFont typeface="Arial" panose="020B0604020202020204" pitchFamily="34" charset="0"/>
-              <a:buNone/>
-              <a:defRPr kumimoji="1" sz="1600" kern="1200">
-                <a:solidFill>
-                  <a:schemeClr val="tx1"/>
-                </a:solidFill>
-                <a:latin typeface="+mn-lt"/>
-                <a:ea typeface="+mn-ea"/>
-                <a:cs typeface="+mn-cs"/>
-              </a:defRPr>
-            </a:lvl6pPr>
-            <a:lvl7pPr marL="2743200" indent="0" algn="ctr" defTabSz="914400" rtl="0" eaLnBrk="1" latinLnBrk="0" hangingPunct="1">
-              <a:lnSpc>
-                <a:spcPct val="90000"/>
-              </a:lnSpc>
-              <a:spcBef>
-                <a:spcPts val="500"/>
-              </a:spcBef>
-              <a:buFont typeface="Arial" panose="020B0604020202020204" pitchFamily="34" charset="0"/>
-              <a:buNone/>
-              <a:defRPr kumimoji="1" sz="1600" kern="1200">
-                <a:solidFill>
-                  <a:schemeClr val="tx1"/>
-                </a:solidFill>
-                <a:latin typeface="+mn-lt"/>
-                <a:ea typeface="+mn-ea"/>
-                <a:cs typeface="+mn-cs"/>
-              </a:defRPr>
-            </a:lvl7pPr>
-            <a:lvl8pPr marL="3200400" indent="0" algn="ctr" defTabSz="914400" rtl="0" eaLnBrk="1" latinLnBrk="0" hangingPunct="1">
-              <a:lnSpc>
-                <a:spcPct val="90000"/>
-              </a:lnSpc>
-              <a:spcBef>
-                <a:spcPts val="500"/>
-              </a:spcBef>
-              <a:buFont typeface="Arial" panose="020B0604020202020204" pitchFamily="34" charset="0"/>
-              <a:buNone/>
-              <a:defRPr kumimoji="1" sz="1600" kern="1200">
-                <a:solidFill>
-                  <a:schemeClr val="tx1"/>
-                </a:solidFill>
-                <a:latin typeface="+mn-lt"/>
-                <a:ea typeface="+mn-ea"/>
-                <a:cs typeface="+mn-cs"/>
-              </a:defRPr>
-            </a:lvl8pPr>
-            <a:lvl9pPr marL="3657600" indent="0" algn="ctr" defTabSz="914400" rtl="0" eaLnBrk="1" latinLnBrk="0" hangingPunct="1">
-              <a:lnSpc>
-                <a:spcPct val="90000"/>
-              </a:lnSpc>
-              <a:spcBef>
-                <a:spcPts val="500"/>
-              </a:spcBef>
-              <a:buFont typeface="Arial" panose="020B0604020202020204" pitchFamily="34" charset="0"/>
-              <a:buNone/>
-              <a:defRPr kumimoji="1" sz="1600" kern="1200">
-                <a:solidFill>
-                  <a:schemeClr val="tx1"/>
-                </a:solidFill>
-                <a:latin typeface="+mn-lt"/>
-                <a:ea typeface="+mn-ea"/>
-                <a:cs typeface="+mn-cs"/>
-              </a:defRPr>
-            </a:lvl9pPr>
-          </a:lstStyle>
-          <a:p>
-            <a:pPr algn="l"/>
-            <a:r>
-              <a:rPr lang="en-US" sz="3600" b="1" dirty="0" smtClean="0">
-                <a:solidFill>
-                  <a:srgbClr val="0064B5"/>
-                </a:solidFill>
-              </a:rPr>
-              <a:t>Object</a:t>
-            </a:r>
-            <a:endParaRPr lang="en-US" sz="3600" b="1" dirty="0">
-              <a:solidFill>
-                <a:srgbClr val="0064B5"/>
-              </a:solidFill>
-            </a:endParaRPr>
-          </a:p>
-        </p:txBody>
-      </p:sp>
-      <p:sp>
-        <p:nvSpPr>
-          <p:cNvPr id="11" name="Rectangle 10"/>
-          <p:cNvSpPr/>
-          <p:nvPr/>
-        </p:nvSpPr>
-        <p:spPr>
-          <a:xfrm>
-            <a:off x="261248" y="539309"/>
-            <a:ext cx="10228770" cy="369332"/>
-          </a:xfrm>
-          <a:prstGeom prst="rect">
-            <a:avLst/>
-          </a:prstGeom>
-        </p:spPr>
-        <p:txBody>
-          <a:bodyPr wrap="square">
-            <a:spAutoFit/>
-          </a:bodyPr>
-          <a:lstStyle/>
-          <a:p>
-            <a:r>
-              <a:rPr lang="en-US" b="1" dirty="0"/>
-              <a:t>Accessing Object </a:t>
-            </a:r>
-            <a:r>
-              <a:rPr lang="en-US" b="1" dirty="0" smtClean="0"/>
-              <a:t>Properties: </a:t>
-            </a:r>
-            <a:endParaRPr lang="en-IN" b="1" u="sng" dirty="0"/>
-          </a:p>
-        </p:txBody>
-      </p:sp>
-      <p:sp>
-        <p:nvSpPr>
-          <p:cNvPr id="21" name="Rectangle 20"/>
-          <p:cNvSpPr/>
-          <p:nvPr/>
-        </p:nvSpPr>
-        <p:spPr>
-          <a:xfrm>
-            <a:off x="332279" y="985826"/>
-            <a:ext cx="4973685" cy="1513534"/>
-          </a:xfrm>
-          <a:prstGeom prst="rect">
-            <a:avLst/>
-          </a:prstGeom>
-          <a:gradFill flip="none" rotWithShape="1">
-            <a:gsLst>
-              <a:gs pos="0">
-                <a:schemeClr val="bg2"/>
-              </a:gs>
-              <a:gs pos="50000">
-                <a:schemeClr val="accent3">
-                  <a:lumMod val="20000"/>
-                  <a:lumOff val="80000"/>
-                  <a:shade val="67500"/>
-                  <a:satMod val="115000"/>
-                </a:schemeClr>
-              </a:gs>
-              <a:gs pos="100000">
-                <a:schemeClr val="accent3">
-                  <a:lumMod val="20000"/>
-                  <a:lumOff val="80000"/>
-                  <a:shade val="100000"/>
-                  <a:satMod val="115000"/>
-                </a:schemeClr>
-              </a:gs>
-            </a:gsLst>
-            <a:lin ang="6600000" scaled="0"/>
-            <a:tileRect/>
-          </a:gradFill>
-          <a:ln>
-            <a:solidFill>
-              <a:schemeClr val="tx1">
-                <a:lumMod val="50000"/>
-                <a:lumOff val="50000"/>
-              </a:schemeClr>
-            </a:solidFill>
-          </a:ln>
-        </p:spPr>
-        <p:style>
-          <a:lnRef idx="2">
-            <a:schemeClr val="accent1">
-              <a:shade val="50000"/>
-            </a:schemeClr>
-          </a:lnRef>
-          <a:fillRef idx="1">
-            <a:schemeClr val="accent1"/>
-          </a:fillRef>
-          <a:effectRef idx="0">
-            <a:schemeClr val="accent1"/>
-          </a:effectRef>
-          <a:fontRef idx="minor">
-            <a:schemeClr val="lt1"/>
-          </a:fontRef>
-        </p:style>
-        <p:txBody>
-          <a:bodyPr rtlCol="0" anchor="ctr"/>
-          <a:lstStyle/>
-          <a:p>
-            <a:r>
-              <a:rPr lang="en-US" sz="1500" b="1" u="sng" dirty="0" smtClean="0">
-                <a:solidFill>
-                  <a:schemeClr val="tx1"/>
-                </a:solidFill>
-              </a:rPr>
-              <a:t>Syntax:</a:t>
-            </a:r>
-          </a:p>
-          <a:p>
-            <a:r>
-              <a:rPr lang="en-US" sz="1500" dirty="0" err="1" smtClean="0">
-                <a:solidFill>
-                  <a:schemeClr val="tx1"/>
-                </a:solidFill>
-              </a:rPr>
-              <a:t>objectName.key</a:t>
-            </a:r>
-            <a:endParaRPr lang="en-US" sz="1500" b="1" u="sng" dirty="0">
-              <a:solidFill>
-                <a:schemeClr val="tx1"/>
-              </a:solidFill>
-            </a:endParaRPr>
-          </a:p>
-          <a:p>
-            <a:r>
-              <a:rPr lang="en-US" sz="1500" dirty="0" smtClean="0">
-                <a:solidFill>
-                  <a:schemeClr val="tx1"/>
-                </a:solidFill>
-              </a:rPr>
-              <a:t>Or</a:t>
-            </a:r>
-            <a:endParaRPr lang="en-US" sz="1500" dirty="0">
-              <a:solidFill>
-                <a:schemeClr val="tx1"/>
-              </a:solidFill>
-            </a:endParaRPr>
-          </a:p>
-          <a:p>
-            <a:r>
-              <a:rPr lang="en-US" sz="1500" dirty="0" err="1">
-                <a:solidFill>
-                  <a:schemeClr val="tx1"/>
-                </a:solidFill>
-              </a:rPr>
-              <a:t>objectName</a:t>
-            </a:r>
-            <a:r>
-              <a:rPr lang="en-US" sz="1500" dirty="0">
-                <a:solidFill>
-                  <a:schemeClr val="tx1"/>
-                </a:solidFill>
-              </a:rPr>
-              <a:t>["</a:t>
-            </a:r>
-            <a:r>
-              <a:rPr lang="en-US" sz="1500" dirty="0" err="1">
-                <a:solidFill>
-                  <a:schemeClr val="tx1"/>
-                </a:solidFill>
-              </a:rPr>
-              <a:t>propertyName</a:t>
-            </a:r>
-            <a:r>
-              <a:rPr lang="en-US" sz="1500" dirty="0">
-                <a:solidFill>
-                  <a:schemeClr val="tx1"/>
-                </a:solidFill>
-              </a:rPr>
-              <a:t>"]</a:t>
-            </a:r>
-          </a:p>
-        </p:txBody>
-      </p:sp>
-      <p:sp>
-        <p:nvSpPr>
-          <p:cNvPr id="17" name="Rectangle 16"/>
-          <p:cNvSpPr/>
-          <p:nvPr/>
-        </p:nvSpPr>
-        <p:spPr>
-          <a:xfrm>
-            <a:off x="332278" y="2610409"/>
-            <a:ext cx="4973685" cy="3519936"/>
-          </a:xfrm>
-          <a:prstGeom prst="rect">
-            <a:avLst/>
-          </a:prstGeom>
-          <a:gradFill flip="none" rotWithShape="1">
-            <a:gsLst>
-              <a:gs pos="0">
-                <a:schemeClr val="bg2"/>
-              </a:gs>
-              <a:gs pos="50000">
-                <a:schemeClr val="accent3">
-                  <a:lumMod val="20000"/>
-                  <a:lumOff val="80000"/>
-                  <a:shade val="67500"/>
-                  <a:satMod val="115000"/>
-                </a:schemeClr>
-              </a:gs>
-              <a:gs pos="100000">
-                <a:schemeClr val="accent3">
-                  <a:lumMod val="20000"/>
-                  <a:lumOff val="80000"/>
-                  <a:shade val="100000"/>
-                  <a:satMod val="115000"/>
-                </a:schemeClr>
-              </a:gs>
-            </a:gsLst>
-            <a:lin ang="6600000" scaled="0"/>
-            <a:tileRect/>
-          </a:gradFill>
-          <a:ln>
-            <a:solidFill>
-              <a:schemeClr val="tx1">
-                <a:lumMod val="50000"/>
-                <a:lumOff val="50000"/>
-              </a:schemeClr>
-            </a:solidFill>
-          </a:ln>
-        </p:spPr>
-        <p:style>
-          <a:lnRef idx="2">
-            <a:schemeClr val="accent1">
-              <a:shade val="50000"/>
-            </a:schemeClr>
-          </a:lnRef>
-          <a:fillRef idx="1">
-            <a:schemeClr val="accent1"/>
-          </a:fillRef>
-          <a:effectRef idx="0">
-            <a:schemeClr val="accent1"/>
-          </a:effectRef>
-          <a:fontRef idx="minor">
-            <a:schemeClr val="lt1"/>
-          </a:fontRef>
-        </p:style>
-        <p:txBody>
-          <a:bodyPr rtlCol="0" anchor="ctr"/>
-          <a:lstStyle/>
-          <a:p>
-            <a:r>
-              <a:rPr lang="en-US" sz="1500" dirty="0" err="1">
-                <a:solidFill>
-                  <a:schemeClr val="tx1"/>
-                </a:solidFill>
-              </a:rPr>
-              <a:t>const</a:t>
-            </a:r>
-            <a:r>
-              <a:rPr lang="en-US" sz="1500" dirty="0">
-                <a:solidFill>
-                  <a:schemeClr val="tx1"/>
-                </a:solidFill>
-              </a:rPr>
-              <a:t> person = { </a:t>
-            </a:r>
-          </a:p>
-          <a:p>
-            <a:r>
-              <a:rPr lang="en-US" sz="1500" dirty="0">
-                <a:solidFill>
-                  <a:schemeClr val="tx1"/>
-                </a:solidFill>
-              </a:rPr>
-              <a:t>    name: 'John', </a:t>
-            </a:r>
-          </a:p>
-          <a:p>
-            <a:r>
-              <a:rPr lang="en-US" sz="1500" dirty="0">
-                <a:solidFill>
-                  <a:schemeClr val="tx1"/>
-                </a:solidFill>
-              </a:rPr>
-              <a:t>    age: 20, </a:t>
-            </a:r>
-          </a:p>
-          <a:p>
-            <a:r>
-              <a:rPr lang="en-US" sz="1500" dirty="0">
-                <a:solidFill>
-                  <a:schemeClr val="tx1"/>
-                </a:solidFill>
-              </a:rPr>
-              <a:t>};</a:t>
-            </a:r>
-          </a:p>
-          <a:p>
-            <a:endParaRPr lang="en-US" sz="1500" dirty="0">
-              <a:solidFill>
-                <a:schemeClr val="tx1"/>
-              </a:solidFill>
-            </a:endParaRPr>
-          </a:p>
-          <a:p>
-            <a:r>
-              <a:rPr lang="en-US" sz="1500" dirty="0">
-                <a:solidFill>
-                  <a:schemeClr val="tx1"/>
-                </a:solidFill>
-              </a:rPr>
-              <a:t>// accessing property</a:t>
-            </a:r>
-          </a:p>
-          <a:p>
-            <a:r>
-              <a:rPr lang="en-US" sz="1500" dirty="0">
-                <a:solidFill>
-                  <a:schemeClr val="tx1"/>
-                </a:solidFill>
-              </a:rPr>
-              <a:t>console.log(person.name); // </a:t>
-            </a:r>
-            <a:r>
-              <a:rPr lang="en-US" sz="1500" dirty="0" smtClean="0">
-                <a:solidFill>
-                  <a:schemeClr val="tx1"/>
-                </a:solidFill>
-              </a:rPr>
-              <a:t>John</a:t>
-            </a:r>
-          </a:p>
-          <a:p>
-            <a:endParaRPr lang="en-US" sz="1500" dirty="0">
-              <a:solidFill>
-                <a:schemeClr val="tx1"/>
-              </a:solidFill>
-            </a:endParaRPr>
-          </a:p>
-          <a:p>
-            <a:r>
-              <a:rPr lang="en-US" sz="1500" dirty="0" err="1">
-                <a:solidFill>
-                  <a:schemeClr val="tx1"/>
-                </a:solidFill>
-              </a:rPr>
-              <a:t>const</a:t>
-            </a:r>
-            <a:r>
-              <a:rPr lang="en-US" sz="1500" dirty="0">
-                <a:solidFill>
-                  <a:schemeClr val="tx1"/>
-                </a:solidFill>
-              </a:rPr>
-              <a:t> person = { </a:t>
-            </a:r>
-          </a:p>
-          <a:p>
-            <a:r>
-              <a:rPr lang="en-US" sz="1500" dirty="0">
-                <a:solidFill>
-                  <a:schemeClr val="tx1"/>
-                </a:solidFill>
-              </a:rPr>
-              <a:t>    name: 'John', </a:t>
-            </a:r>
-          </a:p>
-          <a:p>
-            <a:r>
-              <a:rPr lang="en-US" sz="1500" dirty="0">
-                <a:solidFill>
-                  <a:schemeClr val="tx1"/>
-                </a:solidFill>
-              </a:rPr>
-              <a:t>    age: 20, </a:t>
-            </a:r>
-          </a:p>
-          <a:p>
-            <a:r>
-              <a:rPr lang="en-US" sz="1500" dirty="0">
-                <a:solidFill>
-                  <a:schemeClr val="tx1"/>
-                </a:solidFill>
-              </a:rPr>
-              <a:t>};</a:t>
-            </a:r>
-          </a:p>
-          <a:p>
-            <a:endParaRPr lang="en-US" sz="1500" dirty="0">
-              <a:solidFill>
-                <a:schemeClr val="tx1"/>
-              </a:solidFill>
-            </a:endParaRPr>
-          </a:p>
-          <a:p>
-            <a:r>
-              <a:rPr lang="en-US" sz="1500" dirty="0">
-                <a:solidFill>
-                  <a:schemeClr val="tx1"/>
-                </a:solidFill>
-              </a:rPr>
-              <a:t>// accessing property</a:t>
-            </a:r>
-          </a:p>
-          <a:p>
-            <a:r>
-              <a:rPr lang="en-US" sz="1500" dirty="0">
-                <a:solidFill>
-                  <a:schemeClr val="tx1"/>
-                </a:solidFill>
-              </a:rPr>
-              <a:t>console.log(person["name"]); // John</a:t>
-            </a:r>
-          </a:p>
-        </p:txBody>
-      </p:sp>
-    </p:spTree>
-    <p:extLst>
-      <p:ext uri="{BB962C8B-B14F-4D97-AF65-F5344CB8AC3E}">
-        <p14:creationId xmlns="" xmlns:p14="http://schemas.microsoft.com/office/powerpoint/2010/main" val="3616488687"/>
-      </p:ext>
-    </p:extLst>
-  </p:cSld>
-  <p:clrMapOvr>
-    <a:masterClrMapping/>
-  </p:clrMapOvr>
-  <p:timing>
-    <p:tnLst>
-      <p:par>
-        <p:cTn id="1" dur="indefinite" restart="never" nodeType="tmRoot"/>
-      </p:par>
-    </p:tnLst>
-  </p:timing>
-</p:sld>
-</file>
-
-<file path=ppt/slides/slide26.xml><?xml version="1.0" encoding="utf-8"?>
-<p:sld xmlns:a="http://schemas.openxmlformats.org/drawingml/2006/main" xmlns:r="http://schemas.openxmlformats.org/officeDocument/2006/relationships" xmlns:p="http://schemas.openxmlformats.org/presentationml/2006/main">
-  <p:cSld>
-    <p:spTree>
-      <p:nvGrpSpPr>
-        <p:cNvPr id="1" name=""/>
-        <p:cNvGrpSpPr/>
-        <p:nvPr/>
-      </p:nvGrpSpPr>
-      <p:grpSpPr>
-        <a:xfrm>
-          <a:off x="0" y="0"/>
-          <a:ext cx="0" cy="0"/>
-          <a:chOff x="0" y="0"/>
-          <a:chExt cx="0" cy="0"/>
-        </a:xfrm>
-      </p:grpSpPr>
-      <p:sp>
-        <p:nvSpPr>
-          <p:cNvPr id="4" name="Content Placeholder 13"/>
-          <p:cNvSpPr txBox="1">
-            <a:spLocks/>
-          </p:cNvSpPr>
-          <p:nvPr/>
-        </p:nvSpPr>
-        <p:spPr>
-          <a:xfrm>
-            <a:off x="186682" y="19305"/>
-            <a:ext cx="9791700" cy="630192"/>
-          </a:xfrm>
-          <a:prstGeom prst="rect">
-            <a:avLst/>
-          </a:prstGeom>
-        </p:spPr>
-        <p:txBody>
-          <a:bodyPr vert="horz" lIns="91440" tIns="45720" rIns="91440" bIns="45720" rtlCol="0">
-            <a:noAutofit/>
-          </a:bodyPr>
-          <a:lstStyle>
-            <a:lvl1pPr marL="0" indent="0" algn="ctr" defTabSz="914400" rtl="0" eaLnBrk="1" latinLnBrk="0" hangingPunct="1">
-              <a:lnSpc>
-                <a:spcPct val="90000"/>
-              </a:lnSpc>
-              <a:spcBef>
-                <a:spcPts val="1000"/>
-              </a:spcBef>
-              <a:buFont typeface="Arial" panose="020B0604020202020204" pitchFamily="34" charset="0"/>
-              <a:buNone/>
-              <a:defRPr kumimoji="1" sz="2400" kern="1200">
-                <a:solidFill>
-                  <a:schemeClr val="tx1"/>
-                </a:solidFill>
-                <a:latin typeface="+mn-lt"/>
-                <a:ea typeface="+mn-ea"/>
-                <a:cs typeface="+mn-cs"/>
-              </a:defRPr>
-            </a:lvl1pPr>
-            <a:lvl2pPr marL="457200" indent="0" algn="ctr" defTabSz="914400" rtl="0" eaLnBrk="1" latinLnBrk="0" hangingPunct="1">
-              <a:lnSpc>
-                <a:spcPct val="90000"/>
-              </a:lnSpc>
-              <a:spcBef>
-                <a:spcPts val="500"/>
-              </a:spcBef>
-              <a:buFont typeface="Arial" panose="020B0604020202020204" pitchFamily="34" charset="0"/>
-              <a:buNone/>
-              <a:defRPr kumimoji="1" sz="2000" kern="1200">
-                <a:solidFill>
-                  <a:schemeClr val="tx1"/>
-                </a:solidFill>
-                <a:latin typeface="+mn-lt"/>
-                <a:ea typeface="+mn-ea"/>
-                <a:cs typeface="+mn-cs"/>
-              </a:defRPr>
-            </a:lvl2pPr>
-            <a:lvl3pPr marL="914400" indent="0" algn="ctr" defTabSz="914400" rtl="0" eaLnBrk="1" latinLnBrk="0" hangingPunct="1">
-              <a:lnSpc>
-                <a:spcPct val="90000"/>
-              </a:lnSpc>
-              <a:spcBef>
-                <a:spcPts val="500"/>
-              </a:spcBef>
-              <a:buFont typeface="Arial" panose="020B0604020202020204" pitchFamily="34" charset="0"/>
-              <a:buNone/>
-              <a:defRPr kumimoji="1" sz="1800" kern="1200">
-                <a:solidFill>
-                  <a:schemeClr val="tx1"/>
-                </a:solidFill>
-                <a:latin typeface="+mn-lt"/>
-                <a:ea typeface="+mn-ea"/>
-                <a:cs typeface="+mn-cs"/>
-              </a:defRPr>
-            </a:lvl3pPr>
-            <a:lvl4pPr marL="1371600" indent="0" algn="ctr" defTabSz="914400" rtl="0" eaLnBrk="1" latinLnBrk="0" hangingPunct="1">
-              <a:lnSpc>
-                <a:spcPct val="90000"/>
-              </a:lnSpc>
-              <a:spcBef>
-                <a:spcPts val="500"/>
-              </a:spcBef>
-              <a:buFont typeface="Arial" panose="020B0604020202020204" pitchFamily="34" charset="0"/>
-              <a:buNone/>
-              <a:defRPr kumimoji="1" sz="1600" kern="1200">
-                <a:solidFill>
-                  <a:schemeClr val="tx1"/>
-                </a:solidFill>
-                <a:latin typeface="+mn-lt"/>
-                <a:ea typeface="+mn-ea"/>
-                <a:cs typeface="+mn-cs"/>
-              </a:defRPr>
-            </a:lvl4pPr>
-            <a:lvl5pPr marL="1828800" indent="0" algn="ctr" defTabSz="914400" rtl="0" eaLnBrk="1" latinLnBrk="0" hangingPunct="1">
-              <a:lnSpc>
-                <a:spcPct val="90000"/>
-              </a:lnSpc>
-              <a:spcBef>
-                <a:spcPts val="500"/>
-              </a:spcBef>
-              <a:buFont typeface="Arial" panose="020B0604020202020204" pitchFamily="34" charset="0"/>
-              <a:buNone/>
-              <a:defRPr kumimoji="1" sz="1600" kern="1200">
-                <a:solidFill>
-                  <a:schemeClr val="tx1"/>
-                </a:solidFill>
-                <a:latin typeface="+mn-lt"/>
-                <a:ea typeface="+mn-ea"/>
-                <a:cs typeface="+mn-cs"/>
-              </a:defRPr>
-            </a:lvl5pPr>
-            <a:lvl6pPr marL="2286000" indent="0" algn="ctr" defTabSz="914400" rtl="0" eaLnBrk="1" latinLnBrk="0" hangingPunct="1">
-              <a:lnSpc>
-                <a:spcPct val="90000"/>
-              </a:lnSpc>
-              <a:spcBef>
-                <a:spcPts val="500"/>
-              </a:spcBef>
-              <a:buFont typeface="Arial" panose="020B0604020202020204" pitchFamily="34" charset="0"/>
-              <a:buNone/>
-              <a:defRPr kumimoji="1" sz="1600" kern="1200">
-                <a:solidFill>
-                  <a:schemeClr val="tx1"/>
-                </a:solidFill>
-                <a:latin typeface="+mn-lt"/>
-                <a:ea typeface="+mn-ea"/>
-                <a:cs typeface="+mn-cs"/>
-              </a:defRPr>
-            </a:lvl6pPr>
-            <a:lvl7pPr marL="2743200" indent="0" algn="ctr" defTabSz="914400" rtl="0" eaLnBrk="1" latinLnBrk="0" hangingPunct="1">
-              <a:lnSpc>
-                <a:spcPct val="90000"/>
-              </a:lnSpc>
-              <a:spcBef>
-                <a:spcPts val="500"/>
-              </a:spcBef>
-              <a:buFont typeface="Arial" panose="020B0604020202020204" pitchFamily="34" charset="0"/>
-              <a:buNone/>
-              <a:defRPr kumimoji="1" sz="1600" kern="1200">
-                <a:solidFill>
-                  <a:schemeClr val="tx1"/>
-                </a:solidFill>
-                <a:latin typeface="+mn-lt"/>
-                <a:ea typeface="+mn-ea"/>
-                <a:cs typeface="+mn-cs"/>
-              </a:defRPr>
-            </a:lvl7pPr>
-            <a:lvl8pPr marL="3200400" indent="0" algn="ctr" defTabSz="914400" rtl="0" eaLnBrk="1" latinLnBrk="0" hangingPunct="1">
-              <a:lnSpc>
-                <a:spcPct val="90000"/>
-              </a:lnSpc>
-              <a:spcBef>
-                <a:spcPts val="500"/>
-              </a:spcBef>
-              <a:buFont typeface="Arial" panose="020B0604020202020204" pitchFamily="34" charset="0"/>
-              <a:buNone/>
-              <a:defRPr kumimoji="1" sz="1600" kern="1200">
-                <a:solidFill>
-                  <a:schemeClr val="tx1"/>
-                </a:solidFill>
-                <a:latin typeface="+mn-lt"/>
-                <a:ea typeface="+mn-ea"/>
-                <a:cs typeface="+mn-cs"/>
-              </a:defRPr>
-            </a:lvl8pPr>
-            <a:lvl9pPr marL="3657600" indent="0" algn="ctr" defTabSz="914400" rtl="0" eaLnBrk="1" latinLnBrk="0" hangingPunct="1">
-              <a:lnSpc>
-                <a:spcPct val="90000"/>
-              </a:lnSpc>
-              <a:spcBef>
-                <a:spcPts val="500"/>
-              </a:spcBef>
-              <a:buFont typeface="Arial" panose="020B0604020202020204" pitchFamily="34" charset="0"/>
-              <a:buNone/>
-              <a:defRPr kumimoji="1" sz="1600" kern="1200">
-                <a:solidFill>
-                  <a:schemeClr val="tx1"/>
-                </a:solidFill>
-                <a:latin typeface="+mn-lt"/>
-                <a:ea typeface="+mn-ea"/>
-                <a:cs typeface="+mn-cs"/>
-              </a:defRPr>
-            </a:lvl9pPr>
-          </a:lstStyle>
-          <a:p>
-            <a:pPr algn="l"/>
-            <a:r>
-              <a:rPr lang="en-US" sz="3600" b="1" dirty="0" smtClean="0">
-                <a:solidFill>
-                  <a:srgbClr val="0064B5"/>
-                </a:solidFill>
-              </a:rPr>
-              <a:t>Object – for…in</a:t>
-            </a:r>
-            <a:endParaRPr lang="en-US" sz="3600" b="1" dirty="0">
-              <a:solidFill>
-                <a:srgbClr val="0064B5"/>
-              </a:solidFill>
-            </a:endParaRPr>
-          </a:p>
-        </p:txBody>
-      </p:sp>
-      <p:sp>
-        <p:nvSpPr>
-          <p:cNvPr id="11" name="Rectangle 10"/>
-          <p:cNvSpPr/>
-          <p:nvPr/>
-        </p:nvSpPr>
-        <p:spPr>
-          <a:xfrm>
-            <a:off x="256350" y="581415"/>
-            <a:ext cx="10228770" cy="369332"/>
-          </a:xfrm>
-          <a:prstGeom prst="rect">
-            <a:avLst/>
-          </a:prstGeom>
-        </p:spPr>
-        <p:txBody>
-          <a:bodyPr wrap="square">
-            <a:spAutoFit/>
-          </a:bodyPr>
-          <a:lstStyle/>
-          <a:p>
-            <a:r>
-              <a:rPr lang="en-US" dirty="0" smtClean="0"/>
-              <a:t>Loop </a:t>
-            </a:r>
-            <a:r>
-              <a:rPr lang="en-US" dirty="0"/>
-              <a:t>through an object Using for...in</a:t>
-            </a:r>
-            <a:endParaRPr lang="en-IN" b="1" u="sng" dirty="0"/>
-          </a:p>
-        </p:txBody>
-      </p:sp>
-      <p:sp>
-        <p:nvSpPr>
-          <p:cNvPr id="21" name="Rectangle 20"/>
-          <p:cNvSpPr/>
-          <p:nvPr/>
-        </p:nvSpPr>
-        <p:spPr>
-          <a:xfrm>
-            <a:off x="317310" y="1122217"/>
-            <a:ext cx="4973685" cy="4204483"/>
-          </a:xfrm>
-          <a:prstGeom prst="rect">
-            <a:avLst/>
-          </a:prstGeom>
-          <a:gradFill flip="none" rotWithShape="1">
-            <a:gsLst>
-              <a:gs pos="0">
-                <a:schemeClr val="bg2"/>
-              </a:gs>
-              <a:gs pos="50000">
-                <a:schemeClr val="accent3">
-                  <a:lumMod val="20000"/>
-                  <a:lumOff val="80000"/>
-                  <a:shade val="67500"/>
-                  <a:satMod val="115000"/>
-                </a:schemeClr>
-              </a:gs>
-              <a:gs pos="100000">
-                <a:schemeClr val="accent3">
-                  <a:lumMod val="20000"/>
-                  <a:lumOff val="80000"/>
-                  <a:shade val="100000"/>
-                  <a:satMod val="115000"/>
-                </a:schemeClr>
-              </a:gs>
-            </a:gsLst>
-            <a:lin ang="6600000" scaled="0"/>
-            <a:tileRect/>
-          </a:gradFill>
-          <a:ln>
-            <a:solidFill>
-              <a:schemeClr val="tx1">
-                <a:lumMod val="50000"/>
-                <a:lumOff val="50000"/>
-              </a:schemeClr>
-            </a:solidFill>
-          </a:ln>
-        </p:spPr>
-        <p:style>
-          <a:lnRef idx="2">
-            <a:schemeClr val="accent1">
-              <a:shade val="50000"/>
-            </a:schemeClr>
-          </a:lnRef>
-          <a:fillRef idx="1">
-            <a:schemeClr val="accent1"/>
-          </a:fillRef>
-          <a:effectRef idx="0">
-            <a:schemeClr val="accent1"/>
-          </a:effectRef>
-          <a:fontRef idx="minor">
-            <a:schemeClr val="lt1"/>
-          </a:fontRef>
-        </p:style>
-        <p:txBody>
-          <a:bodyPr rtlCol="0" anchor="ctr"/>
-          <a:lstStyle/>
-          <a:p>
-            <a:r>
-              <a:rPr lang="en-US" sz="1500" dirty="0" err="1">
-                <a:solidFill>
-                  <a:schemeClr val="tx1"/>
-                </a:solidFill>
-              </a:rPr>
-              <a:t>const</a:t>
-            </a:r>
-            <a:r>
-              <a:rPr lang="en-US" sz="1500" dirty="0">
-                <a:solidFill>
-                  <a:schemeClr val="tx1"/>
-                </a:solidFill>
-              </a:rPr>
-              <a:t> student = { </a:t>
-            </a:r>
-          </a:p>
-          <a:p>
-            <a:r>
-              <a:rPr lang="en-US" sz="1500" dirty="0">
-                <a:solidFill>
-                  <a:schemeClr val="tx1"/>
-                </a:solidFill>
-              </a:rPr>
-              <a:t>    name: 'John',</a:t>
-            </a:r>
-          </a:p>
-          <a:p>
-            <a:r>
-              <a:rPr lang="en-US" sz="1500" dirty="0">
-                <a:solidFill>
-                  <a:schemeClr val="tx1"/>
-                </a:solidFill>
-              </a:rPr>
-              <a:t>    age: 20,</a:t>
-            </a:r>
-          </a:p>
-          <a:p>
-            <a:r>
-              <a:rPr lang="en-US" sz="1500" dirty="0">
-                <a:solidFill>
-                  <a:schemeClr val="tx1"/>
-                </a:solidFill>
-              </a:rPr>
-              <a:t>    hobbies: ['reading', 'games', 'coding'],</a:t>
-            </a:r>
-          </a:p>
-          <a:p>
-            <a:r>
-              <a:rPr lang="en-US" sz="1500" dirty="0">
-                <a:solidFill>
-                  <a:schemeClr val="tx1"/>
-                </a:solidFill>
-              </a:rPr>
-              <a:t>};</a:t>
-            </a:r>
-          </a:p>
-          <a:p>
-            <a:endParaRPr lang="en-US" sz="1500" dirty="0">
-              <a:solidFill>
-                <a:schemeClr val="tx1"/>
-              </a:solidFill>
-            </a:endParaRPr>
-          </a:p>
-          <a:p>
-            <a:r>
-              <a:rPr lang="en-US" sz="1500" dirty="0">
-                <a:solidFill>
-                  <a:schemeClr val="tx1"/>
-                </a:solidFill>
-              </a:rPr>
-              <a:t>// using for...in</a:t>
-            </a:r>
-          </a:p>
-          <a:p>
-            <a:r>
-              <a:rPr lang="en-US" sz="1500" dirty="0">
-                <a:solidFill>
-                  <a:schemeClr val="tx1"/>
-                </a:solidFill>
-              </a:rPr>
-              <a:t>for (let key in student) { </a:t>
-            </a:r>
-          </a:p>
-          <a:p>
-            <a:r>
-              <a:rPr lang="en-US" sz="1500" dirty="0">
-                <a:solidFill>
-                  <a:schemeClr val="tx1"/>
-                </a:solidFill>
-              </a:rPr>
-              <a:t>    let value;</a:t>
-            </a:r>
-          </a:p>
-          <a:p>
-            <a:endParaRPr lang="en-US" sz="1500" dirty="0">
-              <a:solidFill>
-                <a:schemeClr val="tx1"/>
-              </a:solidFill>
-            </a:endParaRPr>
-          </a:p>
-          <a:p>
-            <a:r>
-              <a:rPr lang="en-US" sz="1500" dirty="0">
-                <a:solidFill>
-                  <a:schemeClr val="tx1"/>
-                </a:solidFill>
-              </a:rPr>
-              <a:t>    // get the value</a:t>
-            </a:r>
-          </a:p>
-          <a:p>
-            <a:r>
-              <a:rPr lang="en-US" sz="1500" dirty="0">
-                <a:solidFill>
-                  <a:schemeClr val="tx1"/>
-                </a:solidFill>
-              </a:rPr>
-              <a:t>    value = student[key];</a:t>
-            </a:r>
-          </a:p>
-          <a:p>
-            <a:endParaRPr lang="en-US" sz="1500" dirty="0">
-              <a:solidFill>
-                <a:schemeClr val="tx1"/>
-              </a:solidFill>
-            </a:endParaRPr>
-          </a:p>
-          <a:p>
-            <a:r>
-              <a:rPr lang="en-US" sz="1500" dirty="0">
-                <a:solidFill>
-                  <a:schemeClr val="tx1"/>
-                </a:solidFill>
-              </a:rPr>
-              <a:t>    console.log(key + " - " +  value); </a:t>
-            </a:r>
-          </a:p>
-          <a:p>
-            <a:r>
-              <a:rPr lang="en-US" sz="1500" dirty="0">
-                <a:solidFill>
-                  <a:schemeClr val="tx1"/>
-                </a:solidFill>
-              </a:rPr>
-              <a:t>} </a:t>
-            </a:r>
-          </a:p>
-        </p:txBody>
-      </p:sp>
-      <p:pic>
-        <p:nvPicPr>
-          <p:cNvPr id="1026" name="Picture 2"/>
-          <p:cNvPicPr>
-            <a:picLocks noChangeAspect="1" noChangeArrowheads="1"/>
-          </p:cNvPicPr>
-          <p:nvPr/>
-        </p:nvPicPr>
-        <p:blipFill>
-          <a:blip r:embed="rId2"/>
-          <a:srcRect/>
-          <a:stretch>
-            <a:fillRect/>
-          </a:stretch>
-        </p:blipFill>
-        <p:spPr bwMode="auto">
-          <a:xfrm>
-            <a:off x="5576888" y="974815"/>
-            <a:ext cx="6297249" cy="4229100"/>
-          </a:xfrm>
-          <a:prstGeom prst="rect">
-            <a:avLst/>
-          </a:prstGeom>
-          <a:noFill/>
-          <a:ln w="9525">
-            <a:noFill/>
-            <a:miter lim="800000"/>
-            <a:headEnd/>
-            <a:tailEnd/>
-          </a:ln>
-          <a:effectLst/>
-        </p:spPr>
-      </p:pic>
-    </p:spTree>
-    <p:extLst>
-      <p:ext uri="{BB962C8B-B14F-4D97-AF65-F5344CB8AC3E}">
-        <p14:creationId xmlns="" xmlns:p14="http://schemas.microsoft.com/office/powerpoint/2010/main" val="1076763019"/>
-      </p:ext>
-    </p:extLst>
-  </p:cSld>
-  <p:clrMapOvr>
-    <a:masterClrMapping/>
-  </p:clrMapOvr>
-  <p:timing>
-    <p:tnLst>
-      <p:par>
-        <p:cTn id="1" dur="indefinite" restart="never" nodeType="tmRoot"/>
-      </p:par>
-    </p:tnLst>
-  </p:timing>
-</p:sld>
-</file>
-
 <file path=ppt/slides/slide3.xml><?xml version="1.0" encoding="utf-8"?>
 <p:sld xmlns:a="http://schemas.openxmlformats.org/drawingml/2006/main" xmlns:r="http://schemas.openxmlformats.org/officeDocument/2006/relationships" xmlns:p="http://schemas.openxmlformats.org/presentationml/2006/main">
   <p:cSld>
